--- a/Lectures/week 1 - Course Information 2020.pptx
+++ b/Lectures/week 1 - Course Information 2020.pptx
@@ -5028,7 +5028,7 @@
               </a14:hiddenLine>
             </a:ext>
             <a:ext uri="{FAA26D3D-D897-4be2-8F04-BA451C77F1D7}">
-              <ma14:placeholderFlag xmlns="" xmlns:ma14="http://schemas.microsoft.com/office/mac/drawingml/2011/main" val="1"/>
+              <ma14:placeholderFlag xmlns:ma14="http://schemas.microsoft.com/office/mac/drawingml/2011/main" xmlns="" val="1"/>
             </a:ext>
           </a:extLst>
         </p:spPr>
@@ -5089,7 +5089,7 @@
               </a14:hiddenLine>
             </a:ext>
             <a:ext uri="{FAA26D3D-D897-4be2-8F04-BA451C77F1D7}">
-              <ma14:placeholderFlag xmlns="" xmlns:ma14="http://schemas.microsoft.com/office/mac/drawingml/2011/main" val="1"/>
+              <ma14:placeholderFlag xmlns:ma14="http://schemas.microsoft.com/office/mac/drawingml/2011/main" xmlns="" val="1"/>
             </a:ext>
           </a:extLst>
         </p:spPr>
@@ -12025,8 +12025,13 @@
           <a:p>
             <a:r>
               <a:rPr lang="en-US" dirty="0"/>
-              <a:t>1 programming midterm: March 18</a:t>
-            </a:r>
+              <a:t>1 programming midterm: March 1</a:t>
+            </a:r>
+            <a:r>
+              <a:rPr lang="el-GR" dirty="0"/>
+              <a:t>6</a:t>
+            </a:r>
+            <a:endParaRPr lang="en-US" dirty="0"/>
           </a:p>
           <a:p>
             <a:pPr marL="1200150" lvl="1" indent="-457200">
@@ -12044,8 +12049,21 @@
           <a:p>
             <a:r>
               <a:rPr lang="en-US" dirty="0"/>
-              <a:t>2 quizzes: April 15 and May 20</a:t>
-            </a:r>
+              <a:t>2 quizzes: April </a:t>
+            </a:r>
+            <a:r>
+              <a:rPr lang="el-GR" dirty="0"/>
+              <a:t>20</a:t>
+            </a:r>
+            <a:r>
+              <a:rPr lang="en-US" dirty="0"/>
+              <a:t> and May </a:t>
+            </a:r>
+            <a:r>
+              <a:rPr lang="el-GR"/>
+              <a:t>18</a:t>
+            </a:r>
+            <a:endParaRPr lang="en-US" dirty="0"/>
           </a:p>
           <a:p>
             <a:pPr lvl="1"/>
